--- a/Airbnb Project.pptx
+++ b/Airbnb Project.pptx
@@ -281,7 +281,7 @@
           <a:p>
             <a:fld id="{1D8BD707-D9CF-40AE-B4C6-C98DA3205C09}" type="datetimeFigureOut">
               <a:rPr lang="en-US"/>
-              <a:t>4/17/2024</a:t>
+              <a:t>4/24/2024</a:t>
             </a:fld>
             <a:endParaRPr lang="en-US"/>
           </a:p>
@@ -458,7 +458,7 @@
           <a:p>
             <a:fld id="{1D8BD707-D9CF-40AE-B4C6-C98DA3205C09}" type="datetimeFigureOut">
               <a:rPr lang="en-US"/>
-              <a:t>4/17/2024</a:t>
+              <a:t>4/24/2024</a:t>
             </a:fld>
             <a:endParaRPr lang="en-US"/>
           </a:p>
@@ -672,7 +672,7 @@
           <a:p>
             <a:fld id="{1D8BD707-D9CF-40AE-B4C6-C98DA3205C09}" type="datetimeFigureOut">
               <a:rPr lang="en-US"/>
-              <a:t>4/17/2024</a:t>
+              <a:t>4/24/2024</a:t>
             </a:fld>
             <a:endParaRPr lang="en-US"/>
           </a:p>
@@ -1006,7 +1006,7 @@
           <a:p>
             <a:fld id="{1D8BD707-D9CF-40AE-B4C6-C98DA3205C09}" type="datetimeFigureOut">
               <a:rPr lang="en-US"/>
-              <a:t>4/17/2024</a:t>
+              <a:t>4/24/2024</a:t>
             </a:fld>
             <a:endParaRPr lang="en-US"/>
           </a:p>
@@ -1125,7 +1125,7 @@
           <a:p>
             <a:fld id="{1D8BD707-D9CF-40AE-B4C6-C98DA3205C09}" type="datetimeFigureOut">
               <a:rPr lang="en-US"/>
-              <a:t>4/17/2024</a:t>
+              <a:t>4/24/2024</a:t>
             </a:fld>
             <a:endParaRPr lang="en-US"/>
           </a:p>
@@ -1372,7 +1372,7 @@
           <a:p>
             <a:fld id="{1D8BD707-D9CF-40AE-B4C6-C98DA3205C09}" type="datetimeFigureOut">
               <a:rPr lang="en-US"/>
-              <a:t>4/17/2024</a:t>
+              <a:t>4/24/2024</a:t>
             </a:fld>
             <a:endParaRPr lang="en-US"/>
           </a:p>
@@ -1837,7 +1837,7 @@
             <a:r>
               <a:rPr lang="en-US" spc="-135" dirty="0">
                 <a:solidFill>
-                  <a:srgbClr val="FF0000"/>
+                  <a:srgbClr val="C00000"/>
                 </a:solidFill>
                 <a:latin typeface="+mn-lt"/>
               </a:rPr>
